--- a/presentation.pptx
+++ b/presentation.pptx
@@ -12654,8 +12654,8 @@
         </p:nvSpPr>
         <p:spPr>
           <a:xfrm>
-            <a:off x="1197864" y="999366"/>
-            <a:ext cx="6748272" cy="1131079"/>
+            <a:off x="1197864" y="1107789"/>
+            <a:ext cx="6748272" cy="507831"/>
           </a:xfrm>
           <a:prstGeom prst="rect">
             <a:avLst/>
@@ -12670,18 +12670,8 @@
           <a:p>
             <a:r>
               <a:rPr lang="en-GB" dirty="0"/>
-              <a:t>The motivation of context retrieval for question answering is to efficiently identify relevant passages that contain the answer to a given question. In this repository, retriever based on TF-IDF, OKAPI BM25 and BERT models are implemented and tested on </a:t>
-            </a:r>
-            <a:r>
-              <a:rPr lang="en-GB" dirty="0" err="1"/>
-              <a:t>SQuAD</a:t>
-            </a:r>
-            <a:r>
-              <a:rPr lang="en-GB" dirty="0"/>
-              <a:t> dataset.</a:t>
-            </a:r>
-          </a:p>
-          <a:p>
+              <a:t>The motivation of context retrieval for question answering is to efficiently identify relevant passages that contain the answer to a given question. </a:t>
+            </a:r>
             <a:endParaRPr lang="en-CH" dirty="0"/>
           </a:p>
         </p:txBody>
@@ -17103,18 +17093,18 @@
 </file>
 
 <file path=customXml/item1.xml><?xml version="1.0" encoding="utf-8"?>
-<p:properties xmlns:p="http://schemas.microsoft.com/office/2006/metadata/properties" xmlns:xsi="http://www.w3.org/2001/XMLSchema-instance" xmlns:pc="http://schemas.microsoft.com/office/infopath/2007/PartnerControls">
-  <documentManagement/>
-</p:properties>
-</file>
-
-<file path=customXml/item2.xml><?xml version="1.0" encoding="utf-8"?>
 <?mso-contentType ?>
 <FormTemplates xmlns="http://schemas.microsoft.com/sharepoint/v3/contenttype/forms">
   <Display>DocumentLibraryForm</Display>
   <Edit>DocumentLibraryForm</Edit>
   <New>DocumentLibraryForm</New>
 </FormTemplates>
+</file>
+
+<file path=customXml/item2.xml><?xml version="1.0" encoding="utf-8"?>
+<p:properties xmlns:p="http://schemas.microsoft.com/office/2006/metadata/properties" xmlns:xsi="http://www.w3.org/2001/XMLSchema-instance" xmlns:pc="http://schemas.microsoft.com/office/infopath/2007/PartnerControls">
+  <documentManagement/>
+</p:properties>
 </file>
 
 <file path=customXml/item3.xml><?xml version="1.0" encoding="utf-8"?>
@@ -17232,18 +17222,18 @@
 </file>
 
 <file path=customXml/itemProps1.xml><?xml version="1.0" encoding="utf-8"?>
-<ds:datastoreItem xmlns:ds="http://schemas.openxmlformats.org/officeDocument/2006/customXml" ds:itemID="{348A6C70-7FF5-480A-B09B-7D0A19B2F431}">
+<ds:datastoreItem xmlns:ds="http://schemas.openxmlformats.org/officeDocument/2006/customXml" ds:itemID="{266205E9-12FC-4D6C-B0C7-1E9025EEB158}">
   <ds:schemaRefs>
-    <ds:schemaRef ds:uri="http://schemas.microsoft.com/office/2006/metadata/properties"/>
-    <ds:schemaRef ds:uri="http://schemas.microsoft.com/office/infopath/2007/PartnerControls"/>
+    <ds:schemaRef ds:uri="http://schemas.microsoft.com/sharepoint/v3/contenttype/forms"/>
   </ds:schemaRefs>
 </ds:datastoreItem>
 </file>
 
 <file path=customXml/itemProps2.xml><?xml version="1.0" encoding="utf-8"?>
-<ds:datastoreItem xmlns:ds="http://schemas.openxmlformats.org/officeDocument/2006/customXml" ds:itemID="{266205E9-12FC-4D6C-B0C7-1E9025EEB158}">
+<ds:datastoreItem xmlns:ds="http://schemas.openxmlformats.org/officeDocument/2006/customXml" ds:itemID="{348A6C70-7FF5-480A-B09B-7D0A19B2F431}">
   <ds:schemaRefs>
-    <ds:schemaRef ds:uri="http://schemas.microsoft.com/sharepoint/v3/contenttype/forms"/>
+    <ds:schemaRef ds:uri="http://schemas.microsoft.com/office/2006/metadata/properties"/>
+    <ds:schemaRef ds:uri="http://schemas.microsoft.com/office/infopath/2007/PartnerControls"/>
   </ds:schemaRefs>
 </ds:datastoreItem>
 </file>
